--- a/02. Vorbereitung und Projektsetup/02. Vorbereitung und Projektsetup.pptx
+++ b/02. Vorbereitung und Projektsetup/02. Vorbereitung und Projektsetup.pptx
@@ -295,7 +295,7 @@
               <a:pPr>
                 <a:defRPr/>
               </a:pPr>
-              <a:t>18.09.2015</a:t>
+              <a:t>25.09.2015</a:t>
             </a:fld>
             <a:endParaRPr lang="de-DE"/>
           </a:p>
@@ -494,7 +494,7 @@
               <a:pPr>
                 <a:defRPr/>
               </a:pPr>
-              <a:t>2015-09-18</a:t>
+              <a:t>2015-09-25</a:t>
             </a:fld>
             <a:endParaRPr lang="sv-SE"/>
           </a:p>
@@ -5422,11 +5422,7 @@
                     <a:p>
                       <a:r>
                         <a:rPr lang="de-DE" b="1" dirty="0" smtClean="0"/>
-                        <a:t>02 | </a:t>
-                      </a:r>
-                      <a:r>
-                        <a:rPr lang="de-DE" b="1" dirty="0" smtClean="0"/>
-                        <a:t>Vorbereitung und Projektsetup</a:t>
+                        <a:t>02 | Vorbereitung und Projektsetup</a:t>
                       </a:r>
                       <a:endParaRPr lang="de-DE" b="1" dirty="0"/>
                     </a:p>
@@ -5613,7 +5609,6 @@
               <a:rPr lang="de-DE" dirty="0"/>
               <a:t>Vorbereitung und Projektsetup</a:t>
             </a:r>
-            <a:endParaRPr lang="de-DE" dirty="0"/>
           </a:p>
         </p:txBody>
       </p:sp>
@@ -6045,35 +6040,52 @@
             </a:r>
           </a:p>
           <a:p>
+            <a:pPr lvl="1">
+              <a:lnSpc>
+                <a:spcPct val="150000"/>
+              </a:lnSpc>
+            </a:pPr>
+            <a:r>
+              <a:rPr lang="de-DE" altLang="de-DE" dirty="0" smtClean="0"/>
+              <a:t>Mit </a:t>
+            </a:r>
+            <a:r>
+              <a:rPr lang="de-DE" altLang="de-DE" dirty="0"/>
+              <a:t>installiertem Projekttemplate: Visual C# </a:t>
+            </a:r>
+            <a:r>
+              <a:rPr lang="de-DE" altLang="de-DE" dirty="0" smtClean="0"/>
+              <a:t>/ </a:t>
+            </a:r>
+            <a:r>
+              <a:rPr lang="de-DE" altLang="de-DE" dirty="0"/>
+              <a:t>Web </a:t>
+            </a:r>
+            <a:r>
+              <a:rPr lang="de-DE" altLang="de-DE" dirty="0" smtClean="0"/>
+              <a:t>/ </a:t>
+            </a:r>
+            <a:r>
+              <a:rPr lang="de-DE" altLang="de-DE" dirty="0"/>
+              <a:t>ASP.NET </a:t>
+            </a:r>
+            <a:r>
+              <a:rPr lang="de-DE" altLang="de-DE" dirty="0" smtClean="0"/>
+              <a:t>Webanwendung</a:t>
+            </a:r>
+            <a:endParaRPr lang="de-DE" altLang="de-DE" dirty="0" smtClean="0"/>
+          </a:p>
+          <a:p>
             <a:pPr>
               <a:lnSpc>
                 <a:spcPct val="150000"/>
               </a:lnSpc>
             </a:pPr>
             <a:r>
-              <a:rPr lang="de-DE" altLang="de-DE" dirty="0"/>
-              <a:t>	- mit installiertem Projekttemplate: Visual C# </a:t>
-            </a:r>
-            <a:r>
               <a:rPr lang="de-DE" altLang="de-DE" dirty="0" smtClean="0"/>
-              <a:t>/ </a:t>
-            </a:r>
-            <a:r>
-              <a:rPr lang="de-DE" altLang="de-DE" dirty="0"/>
-              <a:t>Web </a:t>
-            </a:r>
-            <a:r>
-              <a:rPr lang="de-DE" altLang="de-DE" dirty="0" smtClean="0"/>
-              <a:t>/ </a:t>
-            </a:r>
-            <a:r>
-              <a:rPr lang="de-DE" altLang="de-DE" dirty="0"/>
-              <a:t>ASP.NET </a:t>
-            </a:r>
-            <a:r>
-              <a:rPr lang="de-DE" altLang="de-DE" dirty="0" smtClean="0"/>
-              <a:t>Webanwendung</a:t>
-            </a:r>
+              <a:t>Windows Phone SDK</a:t>
+            </a:r>
+            <a:endParaRPr lang="de-DE" altLang="de-DE" dirty="0"/>
           </a:p>
           <a:p>
             <a:pPr>
@@ -6083,9 +6095,55 @@
             </a:pPr>
             <a:r>
               <a:rPr lang="de-DE" altLang="de-DE" dirty="0" smtClean="0"/>
-              <a:t>Windows Phone SDK</a:t>
-            </a:r>
-            <a:endParaRPr lang="de-DE" altLang="de-DE" dirty="0"/>
+              <a:t>Windows </a:t>
+            </a:r>
+            <a:r>
+              <a:rPr lang="de-DE" altLang="de-DE" dirty="0"/>
+              <a:t>Phone </a:t>
+            </a:r>
+            <a:r>
+              <a:rPr lang="de-DE" altLang="de-DE" dirty="0" smtClean="0"/>
+              <a:t>Emulatoren</a:t>
+            </a:r>
+          </a:p>
+          <a:p>
+            <a:pPr lvl="1">
+              <a:lnSpc>
+                <a:spcPct val="150000"/>
+              </a:lnSpc>
+            </a:pPr>
+            <a:r>
+              <a:rPr lang="de-DE" altLang="de-DE" dirty="0" smtClean="0"/>
+              <a:t>Bei Visual Studio Installation auswählen</a:t>
+            </a:r>
+          </a:p>
+          <a:p>
+            <a:pPr lvl="1">
+              <a:lnSpc>
+                <a:spcPct val="150000"/>
+              </a:lnSpc>
+            </a:pPr>
+            <a:r>
+              <a:rPr lang="de-DE" altLang="de-DE" dirty="0" smtClean="0"/>
+              <a:t>Zusätzliche </a:t>
+            </a:r>
+            <a:r>
+              <a:rPr lang="de-DE" altLang="de-DE" dirty="0"/>
+              <a:t>Installation durchführen: </a:t>
+            </a:r>
+            <a:r>
+              <a:rPr lang="de-DE" altLang="de-DE" dirty="0">
+                <a:hlinkClick r:id="rId2"/>
+              </a:rPr>
+              <a:t>https://</a:t>
+            </a:r>
+            <a:r>
+              <a:rPr lang="de-DE" altLang="de-DE" dirty="0" smtClean="0">
+                <a:hlinkClick r:id="rId2"/>
+              </a:rPr>
+              <a:t>dev.windows.com/de-de/develop/download-phone-sdk</a:t>
+            </a:r>
+            <a:endParaRPr lang="de-DE" altLang="de-DE" dirty="0" smtClean="0"/>
           </a:p>
           <a:p>
             <a:pPr>
@@ -6094,16 +6152,12 @@
               </a:lnSpc>
             </a:pPr>
             <a:r>
+              <a:rPr lang="de-DE" altLang="de-DE" dirty="0"/>
+              <a:t>SQL Server Express 2008 oder </a:t>
+            </a:r>
+            <a:r>
               <a:rPr lang="de-DE" altLang="de-DE" dirty="0" smtClean="0"/>
-              <a:t>Windows </a:t>
-            </a:r>
-            <a:r>
-              <a:rPr lang="de-DE" altLang="de-DE" dirty="0"/>
-              <a:t>Phone </a:t>
-            </a:r>
-            <a:r>
-              <a:rPr lang="de-DE" altLang="de-DE" dirty="0" smtClean="0"/>
-              <a:t>Emulatoren</a:t>
+              <a:t>höher</a:t>
             </a:r>
           </a:p>
           <a:p>
@@ -6114,50 +6168,27 @@
             </a:pPr>
             <a:r>
               <a:rPr lang="de-DE" altLang="de-DE" dirty="0" smtClean="0"/>
-              <a:t>Bei Visual Studio Installation auswählen</a:t>
-            </a:r>
-          </a:p>
-          <a:p>
-            <a:pPr lvl="1">
-              <a:lnSpc>
-                <a:spcPct val="150000"/>
-              </a:lnSpc>
-            </a:pPr>
+              <a:t>Mit </a:t>
+            </a:r>
+            <a:r>
+              <a:rPr lang="de-DE" altLang="de-DE" dirty="0" err="1" smtClean="0"/>
+              <a:t>LocalDb</a:t>
+            </a:r>
+            <a:r>
+              <a:rPr lang="de-DE" altLang="de-DE" smtClean="0"/>
+              <a:t> Komponente</a:t>
+            </a:r>
+            <a:r>
+              <a:rPr lang="de-DE" altLang="de-DE" smtClean="0"/>
+              <a:t> </a:t>
+            </a:r>
             <a:r>
               <a:rPr lang="de-DE" altLang="de-DE" dirty="0" smtClean="0"/>
-              <a:t>Zusätzliche </a:t>
-            </a:r>
-            <a:r>
-              <a:rPr lang="de-DE" altLang="de-DE" dirty="0"/>
-              <a:t>Installation durchführen: </a:t>
-            </a:r>
-            <a:r>
-              <a:rPr lang="de-DE" altLang="de-DE" dirty="0">
-                <a:hlinkClick r:id="rId2"/>
-              </a:rPr>
-              <a:t>https://</a:t>
-            </a:r>
-            <a:r>
-              <a:rPr lang="de-DE" altLang="de-DE" dirty="0" smtClean="0">
-                <a:hlinkClick r:id="rId2"/>
-              </a:rPr>
-              <a:t>dev.windows.com/de-de/develop/download-phone-sdk</a:t>
-            </a:r>
-            <a:endParaRPr lang="de-DE" altLang="de-DE" dirty="0" smtClean="0"/>
-          </a:p>
-          <a:p>
-            <a:pPr>
-              <a:lnSpc>
-                <a:spcPct val="150000"/>
-              </a:lnSpc>
-            </a:pPr>
-            <a:r>
-              <a:rPr lang="de-DE" altLang="de-DE" dirty="0"/>
-              <a:t>SQL Server Express 2008 oder </a:t>
-            </a:r>
-            <a:r>
-              <a:rPr lang="de-DE" altLang="de-DE" dirty="0" smtClean="0"/>
-              <a:t>höher</a:t>
+              <a:t>(bei der </a:t>
+            </a:r>
+            <a:r>
+              <a:rPr lang="de-DE" altLang="de-DE" smtClean="0"/>
+              <a:t>Installation auswählen)</a:t>
             </a:r>
             <a:endParaRPr lang="de-DE" altLang="de-DE" dirty="0"/>
           </a:p>
